--- a/ppt 16-9/1565.大海中的船.pptx
+++ b/ppt 16-9/1565.大海中的船.pptx
@@ -5,7 +5,7 @@
     <p:sldMasterId id="2147483648" r:id="rId1"/>
   </p:sldMasterIdLst>
   <p:sldIdLst>
-    <p:sldId id="3417" r:id="rId2"/>
+    <p:sldId id="3418" r:id="rId2"/>
   </p:sldIdLst>
   <p:sldSz cx="12192000" cy="6858000"/>
   <p:notesSz cx="6858000" cy="9144000"/>
@@ -129,7 +129,7 @@
           <p:cNvPr id="2" name="标题 1">
             <a:extLst>
               <a:ext uri="{FF2B5EF4-FFF2-40B4-BE49-F238E27FC236}">
-                <a16:creationId xmlns:a16="http://schemas.microsoft.com/office/drawing/2014/main" id="{801B10F8-5CF8-AF04-859E-87DF1AE5E3B2}"/>
+                <a16:creationId xmlns:a16="http://schemas.microsoft.com/office/drawing/2014/main" id="{C4856AE8-AFDA-95D2-784F-C241E8EF73DB}"/>
               </a:ext>
             </a:extLst>
           </p:cNvPr>
@@ -166,7 +166,7 @@
           <p:cNvPr id="3" name="副标题 2">
             <a:extLst>
               <a:ext uri="{FF2B5EF4-FFF2-40B4-BE49-F238E27FC236}">
-                <a16:creationId xmlns:a16="http://schemas.microsoft.com/office/drawing/2014/main" id="{8578DBC3-D1CF-07CA-5F93-829BA939D6CB}"/>
+                <a16:creationId xmlns:a16="http://schemas.microsoft.com/office/drawing/2014/main" id="{98AA91DC-F463-081B-D173-FA0E7B57BD60}"/>
               </a:ext>
             </a:extLst>
           </p:cNvPr>
@@ -236,7 +236,7 @@
           <p:cNvPr id="4" name="日期占位符 3">
             <a:extLst>
               <a:ext uri="{FF2B5EF4-FFF2-40B4-BE49-F238E27FC236}">
-                <a16:creationId xmlns:a16="http://schemas.microsoft.com/office/drawing/2014/main" id="{2423C563-87DF-867D-7E17-84379F72B964}"/>
+                <a16:creationId xmlns:a16="http://schemas.microsoft.com/office/drawing/2014/main" id="{48690F7E-A8B5-8E01-4C71-DD9DC9545A6A}"/>
               </a:ext>
             </a:extLst>
           </p:cNvPr>
@@ -252,7 +252,7 @@
           <a:bodyPr/>
           <a:lstStyle/>
           <a:p>
-            <a:fld id="{EF648A05-C2A3-4AFE-8E2C-679B92E8E8DC}" type="datetimeFigureOut">
+            <a:fld id="{1C1C12EA-F48F-49D8-B2F5-A9F29FF8464E}" type="datetimeFigureOut">
               <a:rPr lang="zh-CN" altLang="en-US" smtClean="0"/>
               <a:t>2024/3/10</a:t>
             </a:fld>
@@ -265,7 +265,7 @@
           <p:cNvPr id="5" name="页脚占位符 4">
             <a:extLst>
               <a:ext uri="{FF2B5EF4-FFF2-40B4-BE49-F238E27FC236}">
-                <a16:creationId xmlns:a16="http://schemas.microsoft.com/office/drawing/2014/main" id="{A87DB851-FC04-8DAA-12A4-7D6C8E3E6F86}"/>
+                <a16:creationId xmlns:a16="http://schemas.microsoft.com/office/drawing/2014/main" id="{E7855976-AEFC-BC8D-495B-3B28BE3ABA77}"/>
               </a:ext>
             </a:extLst>
           </p:cNvPr>
@@ -290,7 +290,7 @@
           <p:cNvPr id="6" name="灯片编号占位符 5">
             <a:extLst>
               <a:ext uri="{FF2B5EF4-FFF2-40B4-BE49-F238E27FC236}">
-                <a16:creationId xmlns:a16="http://schemas.microsoft.com/office/drawing/2014/main" id="{7462FED7-D413-0BB9-6591-357559BC7C84}"/>
+                <a16:creationId xmlns:a16="http://schemas.microsoft.com/office/drawing/2014/main" id="{50BB6FF6-1FAD-BB1E-3015-048A0A1DCEE0}"/>
               </a:ext>
             </a:extLst>
           </p:cNvPr>
@@ -306,7 +306,7 @@
           <a:bodyPr/>
           <a:lstStyle/>
           <a:p>
-            <a:fld id="{C0A6EC91-97AC-4686-8C9F-8C831C0B40D1}" type="slidenum">
+            <a:fld id="{9FD2B02E-E034-40C2-93A3-76188D160632}" type="slidenum">
               <a:rPr lang="zh-CN" altLang="en-US" smtClean="0"/>
               <a:t>‹#›</a:t>
             </a:fld>
@@ -317,7 +317,7 @@
     </p:spTree>
     <p:extLst>
       <p:ext uri="{BB962C8B-B14F-4D97-AF65-F5344CB8AC3E}">
-        <p14:creationId xmlns:p14="http://schemas.microsoft.com/office/powerpoint/2010/main" val="2074647364"/>
+        <p14:creationId xmlns:p14="http://schemas.microsoft.com/office/powerpoint/2010/main" val="4088938281"/>
       </p:ext>
     </p:extLst>
   </p:cSld>
@@ -349,7 +349,7 @@
           <p:cNvPr id="2" name="标题 1">
             <a:extLst>
               <a:ext uri="{FF2B5EF4-FFF2-40B4-BE49-F238E27FC236}">
-                <a16:creationId xmlns:a16="http://schemas.microsoft.com/office/drawing/2014/main" id="{BC1927EF-D40E-D748-B38A-B1F58658288F}"/>
+                <a16:creationId xmlns:a16="http://schemas.microsoft.com/office/drawing/2014/main" id="{EB3272C8-D35C-C0C2-86A4-0BCD046C3F08}"/>
               </a:ext>
             </a:extLst>
           </p:cNvPr>
@@ -377,7 +377,7 @@
           <p:cNvPr id="3" name="竖排文字占位符 2">
             <a:extLst>
               <a:ext uri="{FF2B5EF4-FFF2-40B4-BE49-F238E27FC236}">
-                <a16:creationId xmlns:a16="http://schemas.microsoft.com/office/drawing/2014/main" id="{0DE624D8-C9A5-B987-B40A-D77083157912}"/>
+                <a16:creationId xmlns:a16="http://schemas.microsoft.com/office/drawing/2014/main" id="{9337CBC7-B013-99CE-6458-C4E9B43E3DDF}"/>
               </a:ext>
             </a:extLst>
           </p:cNvPr>
@@ -434,7 +434,7 @@
           <p:cNvPr id="4" name="日期占位符 3">
             <a:extLst>
               <a:ext uri="{FF2B5EF4-FFF2-40B4-BE49-F238E27FC236}">
-                <a16:creationId xmlns:a16="http://schemas.microsoft.com/office/drawing/2014/main" id="{69C2C9A3-29FB-85B9-9371-7612CC475137}"/>
+                <a16:creationId xmlns:a16="http://schemas.microsoft.com/office/drawing/2014/main" id="{0D8590D6-E0F4-5224-BAF8-BC3EDD36FD91}"/>
               </a:ext>
             </a:extLst>
           </p:cNvPr>
@@ -450,7 +450,7 @@
           <a:bodyPr/>
           <a:lstStyle/>
           <a:p>
-            <a:fld id="{EF648A05-C2A3-4AFE-8E2C-679B92E8E8DC}" type="datetimeFigureOut">
+            <a:fld id="{1C1C12EA-F48F-49D8-B2F5-A9F29FF8464E}" type="datetimeFigureOut">
               <a:rPr lang="zh-CN" altLang="en-US" smtClean="0"/>
               <a:t>2024/3/10</a:t>
             </a:fld>
@@ -463,7 +463,7 @@
           <p:cNvPr id="5" name="页脚占位符 4">
             <a:extLst>
               <a:ext uri="{FF2B5EF4-FFF2-40B4-BE49-F238E27FC236}">
-                <a16:creationId xmlns:a16="http://schemas.microsoft.com/office/drawing/2014/main" id="{9C7A8DA7-0E2F-FB2F-7BCB-128DB2601C99}"/>
+                <a16:creationId xmlns:a16="http://schemas.microsoft.com/office/drawing/2014/main" id="{9DCF0392-0EE0-32BB-33FE-A541F627526F}"/>
               </a:ext>
             </a:extLst>
           </p:cNvPr>
@@ -488,7 +488,7 @@
           <p:cNvPr id="6" name="灯片编号占位符 5">
             <a:extLst>
               <a:ext uri="{FF2B5EF4-FFF2-40B4-BE49-F238E27FC236}">
-                <a16:creationId xmlns:a16="http://schemas.microsoft.com/office/drawing/2014/main" id="{E06DB195-9B35-0014-4C9E-6A653E4FA13D}"/>
+                <a16:creationId xmlns:a16="http://schemas.microsoft.com/office/drawing/2014/main" id="{52C40010-F78E-FAC0-57B9-655076563941}"/>
               </a:ext>
             </a:extLst>
           </p:cNvPr>
@@ -504,7 +504,7 @@
           <a:bodyPr/>
           <a:lstStyle/>
           <a:p>
-            <a:fld id="{C0A6EC91-97AC-4686-8C9F-8C831C0B40D1}" type="slidenum">
+            <a:fld id="{9FD2B02E-E034-40C2-93A3-76188D160632}" type="slidenum">
               <a:rPr lang="zh-CN" altLang="en-US" smtClean="0"/>
               <a:t>‹#›</a:t>
             </a:fld>
@@ -515,7 +515,7 @@
     </p:spTree>
     <p:extLst>
       <p:ext uri="{BB962C8B-B14F-4D97-AF65-F5344CB8AC3E}">
-        <p14:creationId xmlns:p14="http://schemas.microsoft.com/office/powerpoint/2010/main" val="2690943476"/>
+        <p14:creationId xmlns:p14="http://schemas.microsoft.com/office/powerpoint/2010/main" val="1378203366"/>
       </p:ext>
     </p:extLst>
   </p:cSld>
@@ -547,7 +547,7 @@
           <p:cNvPr id="2" name="竖排标题 1">
             <a:extLst>
               <a:ext uri="{FF2B5EF4-FFF2-40B4-BE49-F238E27FC236}">
-                <a16:creationId xmlns:a16="http://schemas.microsoft.com/office/drawing/2014/main" id="{0F1B0405-AD5C-38B2-E1CF-0801AACA2FE0}"/>
+                <a16:creationId xmlns:a16="http://schemas.microsoft.com/office/drawing/2014/main" id="{962B2725-FDC9-6DE6-3058-EF9CD44242F5}"/>
               </a:ext>
             </a:extLst>
           </p:cNvPr>
@@ -580,7 +580,7 @@
           <p:cNvPr id="3" name="竖排文字占位符 2">
             <a:extLst>
               <a:ext uri="{FF2B5EF4-FFF2-40B4-BE49-F238E27FC236}">
-                <a16:creationId xmlns:a16="http://schemas.microsoft.com/office/drawing/2014/main" id="{F63920F3-2127-688D-A1AB-1A31FEEA01F0}"/>
+                <a16:creationId xmlns:a16="http://schemas.microsoft.com/office/drawing/2014/main" id="{B5EF277E-A0B5-4B96-37E1-AC00DB16CE33}"/>
               </a:ext>
             </a:extLst>
           </p:cNvPr>
@@ -642,7 +642,7 @@
           <p:cNvPr id="4" name="日期占位符 3">
             <a:extLst>
               <a:ext uri="{FF2B5EF4-FFF2-40B4-BE49-F238E27FC236}">
-                <a16:creationId xmlns:a16="http://schemas.microsoft.com/office/drawing/2014/main" id="{8A53E1C3-2024-F884-1700-74A61CAABB49}"/>
+                <a16:creationId xmlns:a16="http://schemas.microsoft.com/office/drawing/2014/main" id="{5B1844FB-B2A4-3398-12EC-B860C4CFE4F6}"/>
               </a:ext>
             </a:extLst>
           </p:cNvPr>
@@ -658,7 +658,7 @@
           <a:bodyPr/>
           <a:lstStyle/>
           <a:p>
-            <a:fld id="{EF648A05-C2A3-4AFE-8E2C-679B92E8E8DC}" type="datetimeFigureOut">
+            <a:fld id="{1C1C12EA-F48F-49D8-B2F5-A9F29FF8464E}" type="datetimeFigureOut">
               <a:rPr lang="zh-CN" altLang="en-US" smtClean="0"/>
               <a:t>2024/3/10</a:t>
             </a:fld>
@@ -671,7 +671,7 @@
           <p:cNvPr id="5" name="页脚占位符 4">
             <a:extLst>
               <a:ext uri="{FF2B5EF4-FFF2-40B4-BE49-F238E27FC236}">
-                <a16:creationId xmlns:a16="http://schemas.microsoft.com/office/drawing/2014/main" id="{B9584321-1857-2C58-20D7-4D86235AB063}"/>
+                <a16:creationId xmlns:a16="http://schemas.microsoft.com/office/drawing/2014/main" id="{8C33F06D-EEAA-8F8A-79BD-25D683268A1C}"/>
               </a:ext>
             </a:extLst>
           </p:cNvPr>
@@ -696,7 +696,7 @@
           <p:cNvPr id="6" name="灯片编号占位符 5">
             <a:extLst>
               <a:ext uri="{FF2B5EF4-FFF2-40B4-BE49-F238E27FC236}">
-                <a16:creationId xmlns:a16="http://schemas.microsoft.com/office/drawing/2014/main" id="{8C4D7EBD-A6A5-4540-D12C-352EA17B2D09}"/>
+                <a16:creationId xmlns:a16="http://schemas.microsoft.com/office/drawing/2014/main" id="{A519EC56-83DD-E577-B27A-D13E9326CBF2}"/>
               </a:ext>
             </a:extLst>
           </p:cNvPr>
@@ -712,7 +712,7 @@
           <a:bodyPr/>
           <a:lstStyle/>
           <a:p>
-            <a:fld id="{C0A6EC91-97AC-4686-8C9F-8C831C0B40D1}" type="slidenum">
+            <a:fld id="{9FD2B02E-E034-40C2-93A3-76188D160632}" type="slidenum">
               <a:rPr lang="zh-CN" altLang="en-US" smtClean="0"/>
               <a:t>‹#›</a:t>
             </a:fld>
@@ -723,7 +723,7 @@
     </p:spTree>
     <p:extLst>
       <p:ext uri="{BB962C8B-B14F-4D97-AF65-F5344CB8AC3E}">
-        <p14:creationId xmlns:p14="http://schemas.microsoft.com/office/powerpoint/2010/main" val="845481338"/>
+        <p14:creationId xmlns:p14="http://schemas.microsoft.com/office/powerpoint/2010/main" val="4233320757"/>
       </p:ext>
     </p:extLst>
   </p:cSld>
@@ -755,7 +755,7 @@
           <p:cNvPr id="2" name="标题 1">
             <a:extLst>
               <a:ext uri="{FF2B5EF4-FFF2-40B4-BE49-F238E27FC236}">
-                <a16:creationId xmlns:a16="http://schemas.microsoft.com/office/drawing/2014/main" id="{B626F3D2-DE11-E61A-0BF7-C5211F5445DE}"/>
+                <a16:creationId xmlns:a16="http://schemas.microsoft.com/office/drawing/2014/main" id="{7476FFE5-6994-C6BC-5A53-656689AA7D9D}"/>
               </a:ext>
             </a:extLst>
           </p:cNvPr>
@@ -783,7 +783,7 @@
           <p:cNvPr id="3" name="内容占位符 2">
             <a:extLst>
               <a:ext uri="{FF2B5EF4-FFF2-40B4-BE49-F238E27FC236}">
-                <a16:creationId xmlns:a16="http://schemas.microsoft.com/office/drawing/2014/main" id="{CE351E25-B7C0-89D4-7A70-1FF42AF06A7A}"/>
+                <a16:creationId xmlns:a16="http://schemas.microsoft.com/office/drawing/2014/main" id="{A938C7D7-196E-FBFA-FC86-F1DE0466116E}"/>
               </a:ext>
             </a:extLst>
           </p:cNvPr>
@@ -840,7 +840,7 @@
           <p:cNvPr id="4" name="日期占位符 3">
             <a:extLst>
               <a:ext uri="{FF2B5EF4-FFF2-40B4-BE49-F238E27FC236}">
-                <a16:creationId xmlns:a16="http://schemas.microsoft.com/office/drawing/2014/main" id="{A518178B-113E-2A7B-7132-42AE9B5D2B9F}"/>
+                <a16:creationId xmlns:a16="http://schemas.microsoft.com/office/drawing/2014/main" id="{0437337B-64D8-30AA-F8B4-866307FFAEBC}"/>
               </a:ext>
             </a:extLst>
           </p:cNvPr>
@@ -856,7 +856,7 @@
           <a:bodyPr/>
           <a:lstStyle/>
           <a:p>
-            <a:fld id="{EF648A05-C2A3-4AFE-8E2C-679B92E8E8DC}" type="datetimeFigureOut">
+            <a:fld id="{1C1C12EA-F48F-49D8-B2F5-A9F29FF8464E}" type="datetimeFigureOut">
               <a:rPr lang="zh-CN" altLang="en-US" smtClean="0"/>
               <a:t>2024/3/10</a:t>
             </a:fld>
@@ -869,7 +869,7 @@
           <p:cNvPr id="5" name="页脚占位符 4">
             <a:extLst>
               <a:ext uri="{FF2B5EF4-FFF2-40B4-BE49-F238E27FC236}">
-                <a16:creationId xmlns:a16="http://schemas.microsoft.com/office/drawing/2014/main" id="{2DFB845B-8A59-72FE-DBC5-53EF6B1103B6}"/>
+                <a16:creationId xmlns:a16="http://schemas.microsoft.com/office/drawing/2014/main" id="{0E1EA475-38A4-61C1-1CB8-797E9E43929E}"/>
               </a:ext>
             </a:extLst>
           </p:cNvPr>
@@ -894,7 +894,7 @@
           <p:cNvPr id="6" name="灯片编号占位符 5">
             <a:extLst>
               <a:ext uri="{FF2B5EF4-FFF2-40B4-BE49-F238E27FC236}">
-                <a16:creationId xmlns:a16="http://schemas.microsoft.com/office/drawing/2014/main" id="{49ACF6EB-E717-5BCF-6963-30568095FB08}"/>
+                <a16:creationId xmlns:a16="http://schemas.microsoft.com/office/drawing/2014/main" id="{4A82E7BB-2CE7-85FF-EC0A-9D034119C5CD}"/>
               </a:ext>
             </a:extLst>
           </p:cNvPr>
@@ -910,7 +910,7 @@
           <a:bodyPr/>
           <a:lstStyle/>
           <a:p>
-            <a:fld id="{C0A6EC91-97AC-4686-8C9F-8C831C0B40D1}" type="slidenum">
+            <a:fld id="{9FD2B02E-E034-40C2-93A3-76188D160632}" type="slidenum">
               <a:rPr lang="zh-CN" altLang="en-US" smtClean="0"/>
               <a:t>‹#›</a:t>
             </a:fld>
@@ -921,7 +921,7 @@
     </p:spTree>
     <p:extLst>
       <p:ext uri="{BB962C8B-B14F-4D97-AF65-F5344CB8AC3E}">
-        <p14:creationId xmlns:p14="http://schemas.microsoft.com/office/powerpoint/2010/main" val="788825477"/>
+        <p14:creationId xmlns:p14="http://schemas.microsoft.com/office/powerpoint/2010/main" val="3890443665"/>
       </p:ext>
     </p:extLst>
   </p:cSld>
@@ -953,7 +953,7 @@
           <p:cNvPr id="2" name="标题 1">
             <a:extLst>
               <a:ext uri="{FF2B5EF4-FFF2-40B4-BE49-F238E27FC236}">
-                <a16:creationId xmlns:a16="http://schemas.microsoft.com/office/drawing/2014/main" id="{3B86FAA2-7D31-7077-FACC-DAA3B96BAA78}"/>
+                <a16:creationId xmlns:a16="http://schemas.microsoft.com/office/drawing/2014/main" id="{09DF43B2-D75D-1D55-A837-9A48317BE686}"/>
               </a:ext>
             </a:extLst>
           </p:cNvPr>
@@ -990,7 +990,7 @@
           <p:cNvPr id="3" name="文本占位符 2">
             <a:extLst>
               <a:ext uri="{FF2B5EF4-FFF2-40B4-BE49-F238E27FC236}">
-                <a16:creationId xmlns:a16="http://schemas.microsoft.com/office/drawing/2014/main" id="{E49B4DAE-24AF-3A7F-FDFD-46BF8A671BC7}"/>
+                <a16:creationId xmlns:a16="http://schemas.microsoft.com/office/drawing/2014/main" id="{9ED51A4D-3A37-F3D3-1A7E-10D1943B1441}"/>
               </a:ext>
             </a:extLst>
           </p:cNvPr>
@@ -1115,7 +1115,7 @@
           <p:cNvPr id="4" name="日期占位符 3">
             <a:extLst>
               <a:ext uri="{FF2B5EF4-FFF2-40B4-BE49-F238E27FC236}">
-                <a16:creationId xmlns:a16="http://schemas.microsoft.com/office/drawing/2014/main" id="{8F99D768-F3BF-76EB-0CB2-0E0605370CE9}"/>
+                <a16:creationId xmlns:a16="http://schemas.microsoft.com/office/drawing/2014/main" id="{69272129-3225-D28C-0C92-A834A8FE213F}"/>
               </a:ext>
             </a:extLst>
           </p:cNvPr>
@@ -1131,7 +1131,7 @@
           <a:bodyPr/>
           <a:lstStyle/>
           <a:p>
-            <a:fld id="{EF648A05-C2A3-4AFE-8E2C-679B92E8E8DC}" type="datetimeFigureOut">
+            <a:fld id="{1C1C12EA-F48F-49D8-B2F5-A9F29FF8464E}" type="datetimeFigureOut">
               <a:rPr lang="zh-CN" altLang="en-US" smtClean="0"/>
               <a:t>2024/3/10</a:t>
             </a:fld>
@@ -1144,7 +1144,7 @@
           <p:cNvPr id="5" name="页脚占位符 4">
             <a:extLst>
               <a:ext uri="{FF2B5EF4-FFF2-40B4-BE49-F238E27FC236}">
-                <a16:creationId xmlns:a16="http://schemas.microsoft.com/office/drawing/2014/main" id="{A52DC15E-B51E-E521-FAA3-D1F41E2AEEC5}"/>
+                <a16:creationId xmlns:a16="http://schemas.microsoft.com/office/drawing/2014/main" id="{435A31F9-EB8B-7887-E332-B233B045A95A}"/>
               </a:ext>
             </a:extLst>
           </p:cNvPr>
@@ -1169,7 +1169,7 @@
           <p:cNvPr id="6" name="灯片编号占位符 5">
             <a:extLst>
               <a:ext uri="{FF2B5EF4-FFF2-40B4-BE49-F238E27FC236}">
-                <a16:creationId xmlns:a16="http://schemas.microsoft.com/office/drawing/2014/main" id="{267EED47-4A8D-123D-793D-EF2278466804}"/>
+                <a16:creationId xmlns:a16="http://schemas.microsoft.com/office/drawing/2014/main" id="{9709F526-852E-FAE4-D662-55B3E8ABFA49}"/>
               </a:ext>
             </a:extLst>
           </p:cNvPr>
@@ -1185,7 +1185,7 @@
           <a:bodyPr/>
           <a:lstStyle/>
           <a:p>
-            <a:fld id="{C0A6EC91-97AC-4686-8C9F-8C831C0B40D1}" type="slidenum">
+            <a:fld id="{9FD2B02E-E034-40C2-93A3-76188D160632}" type="slidenum">
               <a:rPr lang="zh-CN" altLang="en-US" smtClean="0"/>
               <a:t>‹#›</a:t>
             </a:fld>
@@ -1196,7 +1196,7 @@
     </p:spTree>
     <p:extLst>
       <p:ext uri="{BB962C8B-B14F-4D97-AF65-F5344CB8AC3E}">
-        <p14:creationId xmlns:p14="http://schemas.microsoft.com/office/powerpoint/2010/main" val="500928075"/>
+        <p14:creationId xmlns:p14="http://schemas.microsoft.com/office/powerpoint/2010/main" val="3239156315"/>
       </p:ext>
     </p:extLst>
   </p:cSld>
@@ -1228,7 +1228,7 @@
           <p:cNvPr id="2" name="标题 1">
             <a:extLst>
               <a:ext uri="{FF2B5EF4-FFF2-40B4-BE49-F238E27FC236}">
-                <a16:creationId xmlns:a16="http://schemas.microsoft.com/office/drawing/2014/main" id="{30DAAE56-80A7-3EE9-E1DE-515CDB1C0905}"/>
+                <a16:creationId xmlns:a16="http://schemas.microsoft.com/office/drawing/2014/main" id="{B17E3796-8E86-1706-1515-3973ED98D4F8}"/>
               </a:ext>
             </a:extLst>
           </p:cNvPr>
@@ -1256,7 +1256,7 @@
           <p:cNvPr id="3" name="内容占位符 2">
             <a:extLst>
               <a:ext uri="{FF2B5EF4-FFF2-40B4-BE49-F238E27FC236}">
-                <a16:creationId xmlns:a16="http://schemas.microsoft.com/office/drawing/2014/main" id="{AB53B7ED-472D-B299-A170-EA25C82D2F8B}"/>
+                <a16:creationId xmlns:a16="http://schemas.microsoft.com/office/drawing/2014/main" id="{422CE982-9DCE-681D-FAFB-4BD33824C0F9}"/>
               </a:ext>
             </a:extLst>
           </p:cNvPr>
@@ -1318,7 +1318,7 @@
           <p:cNvPr id="4" name="内容占位符 3">
             <a:extLst>
               <a:ext uri="{FF2B5EF4-FFF2-40B4-BE49-F238E27FC236}">
-                <a16:creationId xmlns:a16="http://schemas.microsoft.com/office/drawing/2014/main" id="{0C9B069A-03C2-1C4B-29DA-CAD6C487E02C}"/>
+                <a16:creationId xmlns:a16="http://schemas.microsoft.com/office/drawing/2014/main" id="{B34572FC-AE4E-69AB-2162-6D1C85CA6358}"/>
               </a:ext>
             </a:extLst>
           </p:cNvPr>
@@ -1380,7 +1380,7 @@
           <p:cNvPr id="5" name="日期占位符 4">
             <a:extLst>
               <a:ext uri="{FF2B5EF4-FFF2-40B4-BE49-F238E27FC236}">
-                <a16:creationId xmlns:a16="http://schemas.microsoft.com/office/drawing/2014/main" id="{0C8B9E0D-C9B1-3CB5-7832-34B046CC0187}"/>
+                <a16:creationId xmlns:a16="http://schemas.microsoft.com/office/drawing/2014/main" id="{72F963B1-B6BF-5973-6E3D-22361A591DBC}"/>
               </a:ext>
             </a:extLst>
           </p:cNvPr>
@@ -1396,7 +1396,7 @@
           <a:bodyPr/>
           <a:lstStyle/>
           <a:p>
-            <a:fld id="{EF648A05-C2A3-4AFE-8E2C-679B92E8E8DC}" type="datetimeFigureOut">
+            <a:fld id="{1C1C12EA-F48F-49D8-B2F5-A9F29FF8464E}" type="datetimeFigureOut">
               <a:rPr lang="zh-CN" altLang="en-US" smtClean="0"/>
               <a:t>2024/3/10</a:t>
             </a:fld>
@@ -1409,7 +1409,7 @@
           <p:cNvPr id="6" name="页脚占位符 5">
             <a:extLst>
               <a:ext uri="{FF2B5EF4-FFF2-40B4-BE49-F238E27FC236}">
-                <a16:creationId xmlns:a16="http://schemas.microsoft.com/office/drawing/2014/main" id="{5FA029A6-B889-884A-0F90-F4ACAB89425B}"/>
+                <a16:creationId xmlns:a16="http://schemas.microsoft.com/office/drawing/2014/main" id="{B075DE3B-DBB8-7D77-A6C9-48F7EA63BF08}"/>
               </a:ext>
             </a:extLst>
           </p:cNvPr>
@@ -1434,7 +1434,7 @@
           <p:cNvPr id="7" name="灯片编号占位符 6">
             <a:extLst>
               <a:ext uri="{FF2B5EF4-FFF2-40B4-BE49-F238E27FC236}">
-                <a16:creationId xmlns:a16="http://schemas.microsoft.com/office/drawing/2014/main" id="{429DFF26-DBCB-FA54-4EF4-2BCA6831B5C5}"/>
+                <a16:creationId xmlns:a16="http://schemas.microsoft.com/office/drawing/2014/main" id="{163D741C-793C-D589-DD73-0BD6386B9B07}"/>
               </a:ext>
             </a:extLst>
           </p:cNvPr>
@@ -1450,7 +1450,7 @@
           <a:bodyPr/>
           <a:lstStyle/>
           <a:p>
-            <a:fld id="{C0A6EC91-97AC-4686-8C9F-8C831C0B40D1}" type="slidenum">
+            <a:fld id="{9FD2B02E-E034-40C2-93A3-76188D160632}" type="slidenum">
               <a:rPr lang="zh-CN" altLang="en-US" smtClean="0"/>
               <a:t>‹#›</a:t>
             </a:fld>
@@ -1461,7 +1461,7 @@
     </p:spTree>
     <p:extLst>
       <p:ext uri="{BB962C8B-B14F-4D97-AF65-F5344CB8AC3E}">
-        <p14:creationId xmlns:p14="http://schemas.microsoft.com/office/powerpoint/2010/main" val="2135473040"/>
+        <p14:creationId xmlns:p14="http://schemas.microsoft.com/office/powerpoint/2010/main" val="2700587699"/>
       </p:ext>
     </p:extLst>
   </p:cSld>
@@ -1493,7 +1493,7 @@
           <p:cNvPr id="2" name="标题 1">
             <a:extLst>
               <a:ext uri="{FF2B5EF4-FFF2-40B4-BE49-F238E27FC236}">
-                <a16:creationId xmlns:a16="http://schemas.microsoft.com/office/drawing/2014/main" id="{9522E5EE-B122-B262-D5DC-EDFDB1967884}"/>
+                <a16:creationId xmlns:a16="http://schemas.microsoft.com/office/drawing/2014/main" id="{78707E1A-CC95-F041-4225-60421BE41634}"/>
               </a:ext>
             </a:extLst>
           </p:cNvPr>
@@ -1526,7 +1526,7 @@
           <p:cNvPr id="3" name="文本占位符 2">
             <a:extLst>
               <a:ext uri="{FF2B5EF4-FFF2-40B4-BE49-F238E27FC236}">
-                <a16:creationId xmlns:a16="http://schemas.microsoft.com/office/drawing/2014/main" id="{EE7F77DD-B3C4-9A7D-3DEE-958EBB47B332}"/>
+                <a16:creationId xmlns:a16="http://schemas.microsoft.com/office/drawing/2014/main" id="{834973C2-1826-454A-50EB-25964BB19693}"/>
               </a:ext>
             </a:extLst>
           </p:cNvPr>
@@ -1597,7 +1597,7 @@
           <p:cNvPr id="4" name="内容占位符 3">
             <a:extLst>
               <a:ext uri="{FF2B5EF4-FFF2-40B4-BE49-F238E27FC236}">
-                <a16:creationId xmlns:a16="http://schemas.microsoft.com/office/drawing/2014/main" id="{29538743-FCC0-61D5-0A43-AC7A71F22CB0}"/>
+                <a16:creationId xmlns:a16="http://schemas.microsoft.com/office/drawing/2014/main" id="{EAAC25FC-A255-A624-2639-880B598AB21F}"/>
               </a:ext>
             </a:extLst>
           </p:cNvPr>
@@ -1659,7 +1659,7 @@
           <p:cNvPr id="5" name="文本占位符 4">
             <a:extLst>
               <a:ext uri="{FF2B5EF4-FFF2-40B4-BE49-F238E27FC236}">
-                <a16:creationId xmlns:a16="http://schemas.microsoft.com/office/drawing/2014/main" id="{E87B4466-FA68-EFBC-12EA-B129A96D853F}"/>
+                <a16:creationId xmlns:a16="http://schemas.microsoft.com/office/drawing/2014/main" id="{D20BCE4D-188E-299B-1834-8A2266A10881}"/>
               </a:ext>
             </a:extLst>
           </p:cNvPr>
@@ -1730,7 +1730,7 @@
           <p:cNvPr id="6" name="内容占位符 5">
             <a:extLst>
               <a:ext uri="{FF2B5EF4-FFF2-40B4-BE49-F238E27FC236}">
-                <a16:creationId xmlns:a16="http://schemas.microsoft.com/office/drawing/2014/main" id="{5FEB35F3-7F12-08BA-077B-201763779907}"/>
+                <a16:creationId xmlns:a16="http://schemas.microsoft.com/office/drawing/2014/main" id="{70285FFD-0AA6-C102-3BD8-8934028E8DB9}"/>
               </a:ext>
             </a:extLst>
           </p:cNvPr>
@@ -1792,7 +1792,7 @@
           <p:cNvPr id="7" name="日期占位符 6">
             <a:extLst>
               <a:ext uri="{FF2B5EF4-FFF2-40B4-BE49-F238E27FC236}">
-                <a16:creationId xmlns:a16="http://schemas.microsoft.com/office/drawing/2014/main" id="{3FA7172A-5341-BB8C-2868-096C77D3E147}"/>
+                <a16:creationId xmlns:a16="http://schemas.microsoft.com/office/drawing/2014/main" id="{5A6B0F2B-C229-A5A1-AA3E-B6733AE02924}"/>
               </a:ext>
             </a:extLst>
           </p:cNvPr>
@@ -1808,7 +1808,7 @@
           <a:bodyPr/>
           <a:lstStyle/>
           <a:p>
-            <a:fld id="{EF648A05-C2A3-4AFE-8E2C-679B92E8E8DC}" type="datetimeFigureOut">
+            <a:fld id="{1C1C12EA-F48F-49D8-B2F5-A9F29FF8464E}" type="datetimeFigureOut">
               <a:rPr lang="zh-CN" altLang="en-US" smtClean="0"/>
               <a:t>2024/3/10</a:t>
             </a:fld>
@@ -1821,7 +1821,7 @@
           <p:cNvPr id="8" name="页脚占位符 7">
             <a:extLst>
               <a:ext uri="{FF2B5EF4-FFF2-40B4-BE49-F238E27FC236}">
-                <a16:creationId xmlns:a16="http://schemas.microsoft.com/office/drawing/2014/main" id="{CA5B2D9C-7194-B6EC-647A-1FD242A2D8FD}"/>
+                <a16:creationId xmlns:a16="http://schemas.microsoft.com/office/drawing/2014/main" id="{F116F0A3-B9F0-C719-CFA8-627FC80216A8}"/>
               </a:ext>
             </a:extLst>
           </p:cNvPr>
@@ -1846,7 +1846,7 @@
           <p:cNvPr id="9" name="灯片编号占位符 8">
             <a:extLst>
               <a:ext uri="{FF2B5EF4-FFF2-40B4-BE49-F238E27FC236}">
-                <a16:creationId xmlns:a16="http://schemas.microsoft.com/office/drawing/2014/main" id="{FF651480-49D0-0245-F8C7-F9DC4270E04E}"/>
+                <a16:creationId xmlns:a16="http://schemas.microsoft.com/office/drawing/2014/main" id="{00222CA6-2F4A-889E-E7CE-EF2F93D52D16}"/>
               </a:ext>
             </a:extLst>
           </p:cNvPr>
@@ -1862,7 +1862,7 @@
           <a:bodyPr/>
           <a:lstStyle/>
           <a:p>
-            <a:fld id="{C0A6EC91-97AC-4686-8C9F-8C831C0B40D1}" type="slidenum">
+            <a:fld id="{9FD2B02E-E034-40C2-93A3-76188D160632}" type="slidenum">
               <a:rPr lang="zh-CN" altLang="en-US" smtClean="0"/>
               <a:t>‹#›</a:t>
             </a:fld>
@@ -1873,7 +1873,7 @@
     </p:spTree>
     <p:extLst>
       <p:ext uri="{BB962C8B-B14F-4D97-AF65-F5344CB8AC3E}">
-        <p14:creationId xmlns:p14="http://schemas.microsoft.com/office/powerpoint/2010/main" val="2701349388"/>
+        <p14:creationId xmlns:p14="http://schemas.microsoft.com/office/powerpoint/2010/main" val="3139293575"/>
       </p:ext>
     </p:extLst>
   </p:cSld>
@@ -1905,7 +1905,7 @@
           <p:cNvPr id="2" name="标题 1">
             <a:extLst>
               <a:ext uri="{FF2B5EF4-FFF2-40B4-BE49-F238E27FC236}">
-                <a16:creationId xmlns:a16="http://schemas.microsoft.com/office/drawing/2014/main" id="{26273979-9021-ADD9-78F2-43391FB40C37}"/>
+                <a16:creationId xmlns:a16="http://schemas.microsoft.com/office/drawing/2014/main" id="{26B9CE6F-E3AD-5F0B-47A4-DDE2714B3C14}"/>
               </a:ext>
             </a:extLst>
           </p:cNvPr>
@@ -1933,7 +1933,7 @@
           <p:cNvPr id="3" name="日期占位符 2">
             <a:extLst>
               <a:ext uri="{FF2B5EF4-FFF2-40B4-BE49-F238E27FC236}">
-                <a16:creationId xmlns:a16="http://schemas.microsoft.com/office/drawing/2014/main" id="{E7DB9515-B0EB-97F8-120F-69CACC517771}"/>
+                <a16:creationId xmlns:a16="http://schemas.microsoft.com/office/drawing/2014/main" id="{1004842B-44AB-C7B3-4B04-D828306F348C}"/>
               </a:ext>
             </a:extLst>
           </p:cNvPr>
@@ -1949,7 +1949,7 @@
           <a:bodyPr/>
           <a:lstStyle/>
           <a:p>
-            <a:fld id="{EF648A05-C2A3-4AFE-8E2C-679B92E8E8DC}" type="datetimeFigureOut">
+            <a:fld id="{1C1C12EA-F48F-49D8-B2F5-A9F29FF8464E}" type="datetimeFigureOut">
               <a:rPr lang="zh-CN" altLang="en-US" smtClean="0"/>
               <a:t>2024/3/10</a:t>
             </a:fld>
@@ -1962,7 +1962,7 @@
           <p:cNvPr id="4" name="页脚占位符 3">
             <a:extLst>
               <a:ext uri="{FF2B5EF4-FFF2-40B4-BE49-F238E27FC236}">
-                <a16:creationId xmlns:a16="http://schemas.microsoft.com/office/drawing/2014/main" id="{9A8FB19C-92C7-F63F-7140-F34841F0720F}"/>
+                <a16:creationId xmlns:a16="http://schemas.microsoft.com/office/drawing/2014/main" id="{2938504A-9D46-C226-3446-E7199C50C571}"/>
               </a:ext>
             </a:extLst>
           </p:cNvPr>
@@ -1987,7 +1987,7 @@
           <p:cNvPr id="5" name="灯片编号占位符 4">
             <a:extLst>
               <a:ext uri="{FF2B5EF4-FFF2-40B4-BE49-F238E27FC236}">
-                <a16:creationId xmlns:a16="http://schemas.microsoft.com/office/drawing/2014/main" id="{D5D328BB-9B5B-8776-BAD1-41E298E4C154}"/>
+                <a16:creationId xmlns:a16="http://schemas.microsoft.com/office/drawing/2014/main" id="{EFE264DC-CB68-EAED-0C89-3626A60C6962}"/>
               </a:ext>
             </a:extLst>
           </p:cNvPr>
@@ -2003,7 +2003,7 @@
           <a:bodyPr/>
           <a:lstStyle/>
           <a:p>
-            <a:fld id="{C0A6EC91-97AC-4686-8C9F-8C831C0B40D1}" type="slidenum">
+            <a:fld id="{9FD2B02E-E034-40C2-93A3-76188D160632}" type="slidenum">
               <a:rPr lang="zh-CN" altLang="en-US" smtClean="0"/>
               <a:t>‹#›</a:t>
             </a:fld>
@@ -2014,7 +2014,7 @@
     </p:spTree>
     <p:extLst>
       <p:ext uri="{BB962C8B-B14F-4D97-AF65-F5344CB8AC3E}">
-        <p14:creationId xmlns:p14="http://schemas.microsoft.com/office/powerpoint/2010/main" val="2422571348"/>
+        <p14:creationId xmlns:p14="http://schemas.microsoft.com/office/powerpoint/2010/main" val="2505974169"/>
       </p:ext>
     </p:extLst>
   </p:cSld>
@@ -2046,7 +2046,7 @@
           <p:cNvPr id="2" name="日期占位符 1">
             <a:extLst>
               <a:ext uri="{FF2B5EF4-FFF2-40B4-BE49-F238E27FC236}">
-                <a16:creationId xmlns:a16="http://schemas.microsoft.com/office/drawing/2014/main" id="{F9D76C47-A90C-EE9F-6CE6-723B1D92F654}"/>
+                <a16:creationId xmlns:a16="http://schemas.microsoft.com/office/drawing/2014/main" id="{3D38FE1C-7AAF-8213-226F-8CAA40B05D34}"/>
               </a:ext>
             </a:extLst>
           </p:cNvPr>
@@ -2062,7 +2062,7 @@
           <a:bodyPr/>
           <a:lstStyle/>
           <a:p>
-            <a:fld id="{EF648A05-C2A3-4AFE-8E2C-679B92E8E8DC}" type="datetimeFigureOut">
+            <a:fld id="{1C1C12EA-F48F-49D8-B2F5-A9F29FF8464E}" type="datetimeFigureOut">
               <a:rPr lang="zh-CN" altLang="en-US" smtClean="0"/>
               <a:t>2024/3/10</a:t>
             </a:fld>
@@ -2075,7 +2075,7 @@
           <p:cNvPr id="3" name="页脚占位符 2">
             <a:extLst>
               <a:ext uri="{FF2B5EF4-FFF2-40B4-BE49-F238E27FC236}">
-                <a16:creationId xmlns:a16="http://schemas.microsoft.com/office/drawing/2014/main" id="{58EBE2E0-3DF8-7395-633C-AA28AEB19578}"/>
+                <a16:creationId xmlns:a16="http://schemas.microsoft.com/office/drawing/2014/main" id="{047CFB23-6068-596F-2A36-9CDC95794A51}"/>
               </a:ext>
             </a:extLst>
           </p:cNvPr>
@@ -2100,7 +2100,7 @@
           <p:cNvPr id="4" name="灯片编号占位符 3">
             <a:extLst>
               <a:ext uri="{FF2B5EF4-FFF2-40B4-BE49-F238E27FC236}">
-                <a16:creationId xmlns:a16="http://schemas.microsoft.com/office/drawing/2014/main" id="{47E259E2-2BF5-47EA-EAAA-72B27300F40B}"/>
+                <a16:creationId xmlns:a16="http://schemas.microsoft.com/office/drawing/2014/main" id="{97E16457-B569-F2D5-6A6E-050F1552CCBD}"/>
               </a:ext>
             </a:extLst>
           </p:cNvPr>
@@ -2116,7 +2116,7 @@
           <a:bodyPr/>
           <a:lstStyle/>
           <a:p>
-            <a:fld id="{C0A6EC91-97AC-4686-8C9F-8C831C0B40D1}" type="slidenum">
+            <a:fld id="{9FD2B02E-E034-40C2-93A3-76188D160632}" type="slidenum">
               <a:rPr lang="zh-CN" altLang="en-US" smtClean="0"/>
               <a:t>‹#›</a:t>
             </a:fld>
@@ -2127,7 +2127,7 @@
     </p:spTree>
     <p:extLst>
       <p:ext uri="{BB962C8B-B14F-4D97-AF65-F5344CB8AC3E}">
-        <p14:creationId xmlns:p14="http://schemas.microsoft.com/office/powerpoint/2010/main" val="3654693069"/>
+        <p14:creationId xmlns:p14="http://schemas.microsoft.com/office/powerpoint/2010/main" val="652094263"/>
       </p:ext>
     </p:extLst>
   </p:cSld>
@@ -2159,7 +2159,7 @@
           <p:cNvPr id="2" name="标题 1">
             <a:extLst>
               <a:ext uri="{FF2B5EF4-FFF2-40B4-BE49-F238E27FC236}">
-                <a16:creationId xmlns:a16="http://schemas.microsoft.com/office/drawing/2014/main" id="{807305CB-C6E2-9A7D-BC90-3127627AA120}"/>
+                <a16:creationId xmlns:a16="http://schemas.microsoft.com/office/drawing/2014/main" id="{0906B4F9-7236-4EE5-1D10-CE6514B1E90D}"/>
               </a:ext>
             </a:extLst>
           </p:cNvPr>
@@ -2196,7 +2196,7 @@
           <p:cNvPr id="3" name="内容占位符 2">
             <a:extLst>
               <a:ext uri="{FF2B5EF4-FFF2-40B4-BE49-F238E27FC236}">
-                <a16:creationId xmlns:a16="http://schemas.microsoft.com/office/drawing/2014/main" id="{D5BACDA8-2BD3-9C5B-37CC-A1870A37E576}"/>
+                <a16:creationId xmlns:a16="http://schemas.microsoft.com/office/drawing/2014/main" id="{C3B8F58C-0FEC-0CDA-0873-25106FBE8AF5}"/>
               </a:ext>
             </a:extLst>
           </p:cNvPr>
@@ -2286,7 +2286,7 @@
           <p:cNvPr id="4" name="文本占位符 3">
             <a:extLst>
               <a:ext uri="{FF2B5EF4-FFF2-40B4-BE49-F238E27FC236}">
-                <a16:creationId xmlns:a16="http://schemas.microsoft.com/office/drawing/2014/main" id="{347A8935-2234-0555-EF06-4EE646314D58}"/>
+                <a16:creationId xmlns:a16="http://schemas.microsoft.com/office/drawing/2014/main" id="{DD9013AB-ED8E-40B4-D20B-BF02F266DFF0}"/>
               </a:ext>
             </a:extLst>
           </p:cNvPr>
@@ -2357,7 +2357,7 @@
           <p:cNvPr id="5" name="日期占位符 4">
             <a:extLst>
               <a:ext uri="{FF2B5EF4-FFF2-40B4-BE49-F238E27FC236}">
-                <a16:creationId xmlns:a16="http://schemas.microsoft.com/office/drawing/2014/main" id="{700F4B6F-8AB0-5E23-1EF9-D9BB4E0CB248}"/>
+                <a16:creationId xmlns:a16="http://schemas.microsoft.com/office/drawing/2014/main" id="{12213354-79BB-823C-4E7F-6460427D5A56}"/>
               </a:ext>
             </a:extLst>
           </p:cNvPr>
@@ -2373,7 +2373,7 @@
           <a:bodyPr/>
           <a:lstStyle/>
           <a:p>
-            <a:fld id="{EF648A05-C2A3-4AFE-8E2C-679B92E8E8DC}" type="datetimeFigureOut">
+            <a:fld id="{1C1C12EA-F48F-49D8-B2F5-A9F29FF8464E}" type="datetimeFigureOut">
               <a:rPr lang="zh-CN" altLang="en-US" smtClean="0"/>
               <a:t>2024/3/10</a:t>
             </a:fld>
@@ -2386,7 +2386,7 @@
           <p:cNvPr id="6" name="页脚占位符 5">
             <a:extLst>
               <a:ext uri="{FF2B5EF4-FFF2-40B4-BE49-F238E27FC236}">
-                <a16:creationId xmlns:a16="http://schemas.microsoft.com/office/drawing/2014/main" id="{D91D7D34-8334-96C4-BACB-3A08092A0D1C}"/>
+                <a16:creationId xmlns:a16="http://schemas.microsoft.com/office/drawing/2014/main" id="{62F9B825-6555-02AC-596F-390A70D554DC}"/>
               </a:ext>
             </a:extLst>
           </p:cNvPr>
@@ -2411,7 +2411,7 @@
           <p:cNvPr id="7" name="灯片编号占位符 6">
             <a:extLst>
               <a:ext uri="{FF2B5EF4-FFF2-40B4-BE49-F238E27FC236}">
-                <a16:creationId xmlns:a16="http://schemas.microsoft.com/office/drawing/2014/main" id="{E736DF8A-6038-7709-32C3-A89EEC21E1C8}"/>
+                <a16:creationId xmlns:a16="http://schemas.microsoft.com/office/drawing/2014/main" id="{54AC318B-5A17-DFCE-7F37-1D8E9DF89AFC}"/>
               </a:ext>
             </a:extLst>
           </p:cNvPr>
@@ -2427,7 +2427,7 @@
           <a:bodyPr/>
           <a:lstStyle/>
           <a:p>
-            <a:fld id="{C0A6EC91-97AC-4686-8C9F-8C831C0B40D1}" type="slidenum">
+            <a:fld id="{9FD2B02E-E034-40C2-93A3-76188D160632}" type="slidenum">
               <a:rPr lang="zh-CN" altLang="en-US" smtClean="0"/>
               <a:t>‹#›</a:t>
             </a:fld>
@@ -2438,7 +2438,7 @@
     </p:spTree>
     <p:extLst>
       <p:ext uri="{BB962C8B-B14F-4D97-AF65-F5344CB8AC3E}">
-        <p14:creationId xmlns:p14="http://schemas.microsoft.com/office/powerpoint/2010/main" val="408098042"/>
+        <p14:creationId xmlns:p14="http://schemas.microsoft.com/office/powerpoint/2010/main" val="2733667320"/>
       </p:ext>
     </p:extLst>
   </p:cSld>
@@ -2470,7 +2470,7 @@
           <p:cNvPr id="2" name="标题 1">
             <a:extLst>
               <a:ext uri="{FF2B5EF4-FFF2-40B4-BE49-F238E27FC236}">
-                <a16:creationId xmlns:a16="http://schemas.microsoft.com/office/drawing/2014/main" id="{B6CAD916-BD0C-B383-88FC-54CE7EB03B75}"/>
+                <a16:creationId xmlns:a16="http://schemas.microsoft.com/office/drawing/2014/main" id="{D165D299-5153-ACED-FE93-E29698504300}"/>
               </a:ext>
             </a:extLst>
           </p:cNvPr>
@@ -2507,7 +2507,7 @@
           <p:cNvPr id="3" name="图片占位符 2">
             <a:extLst>
               <a:ext uri="{FF2B5EF4-FFF2-40B4-BE49-F238E27FC236}">
-                <a16:creationId xmlns:a16="http://schemas.microsoft.com/office/drawing/2014/main" id="{E5B741DC-CD27-F7F4-B1BA-4D7B8FC517FF}"/>
+                <a16:creationId xmlns:a16="http://schemas.microsoft.com/office/drawing/2014/main" id="{A31C1758-F8AD-1D4A-7B6E-16B8CA5E574C}"/>
               </a:ext>
             </a:extLst>
           </p:cNvPr>
@@ -2574,7 +2574,7 @@
           <p:cNvPr id="4" name="文本占位符 3">
             <a:extLst>
               <a:ext uri="{FF2B5EF4-FFF2-40B4-BE49-F238E27FC236}">
-                <a16:creationId xmlns:a16="http://schemas.microsoft.com/office/drawing/2014/main" id="{ADD0B195-E441-C70B-AE06-DAEF51D5D47B}"/>
+                <a16:creationId xmlns:a16="http://schemas.microsoft.com/office/drawing/2014/main" id="{C6641FFD-37C9-B468-A38B-15A1F77FED8D}"/>
               </a:ext>
             </a:extLst>
           </p:cNvPr>
@@ -2645,7 +2645,7 @@
           <p:cNvPr id="5" name="日期占位符 4">
             <a:extLst>
               <a:ext uri="{FF2B5EF4-FFF2-40B4-BE49-F238E27FC236}">
-                <a16:creationId xmlns:a16="http://schemas.microsoft.com/office/drawing/2014/main" id="{4A2C018C-5C84-62A9-C142-6FE8004D1ECD}"/>
+                <a16:creationId xmlns:a16="http://schemas.microsoft.com/office/drawing/2014/main" id="{D9F7DABE-C668-B3A9-6E7A-0A525175B4AD}"/>
               </a:ext>
             </a:extLst>
           </p:cNvPr>
@@ -2661,7 +2661,7 @@
           <a:bodyPr/>
           <a:lstStyle/>
           <a:p>
-            <a:fld id="{EF648A05-C2A3-4AFE-8E2C-679B92E8E8DC}" type="datetimeFigureOut">
+            <a:fld id="{1C1C12EA-F48F-49D8-B2F5-A9F29FF8464E}" type="datetimeFigureOut">
               <a:rPr lang="zh-CN" altLang="en-US" smtClean="0"/>
               <a:t>2024/3/10</a:t>
             </a:fld>
@@ -2674,7 +2674,7 @@
           <p:cNvPr id="6" name="页脚占位符 5">
             <a:extLst>
               <a:ext uri="{FF2B5EF4-FFF2-40B4-BE49-F238E27FC236}">
-                <a16:creationId xmlns:a16="http://schemas.microsoft.com/office/drawing/2014/main" id="{F94E9464-E7F6-D1E7-219C-D1B4155B2855}"/>
+                <a16:creationId xmlns:a16="http://schemas.microsoft.com/office/drawing/2014/main" id="{0E83715D-E768-349E-5CD0-19BF7CCB852B}"/>
               </a:ext>
             </a:extLst>
           </p:cNvPr>
@@ -2699,7 +2699,7 @@
           <p:cNvPr id="7" name="灯片编号占位符 6">
             <a:extLst>
               <a:ext uri="{FF2B5EF4-FFF2-40B4-BE49-F238E27FC236}">
-                <a16:creationId xmlns:a16="http://schemas.microsoft.com/office/drawing/2014/main" id="{6951B2F7-A820-19C3-6C91-61B687EFE830}"/>
+                <a16:creationId xmlns:a16="http://schemas.microsoft.com/office/drawing/2014/main" id="{512837FD-C0AD-6388-7093-B741313DFB1F}"/>
               </a:ext>
             </a:extLst>
           </p:cNvPr>
@@ -2715,7 +2715,7 @@
           <a:bodyPr/>
           <a:lstStyle/>
           <a:p>
-            <a:fld id="{C0A6EC91-97AC-4686-8C9F-8C831C0B40D1}" type="slidenum">
+            <a:fld id="{9FD2B02E-E034-40C2-93A3-76188D160632}" type="slidenum">
               <a:rPr lang="zh-CN" altLang="en-US" smtClean="0"/>
               <a:t>‹#›</a:t>
             </a:fld>
@@ -2726,7 +2726,7 @@
     </p:spTree>
     <p:extLst>
       <p:ext uri="{BB962C8B-B14F-4D97-AF65-F5344CB8AC3E}">
-        <p14:creationId xmlns:p14="http://schemas.microsoft.com/office/powerpoint/2010/main" val="2636185479"/>
+        <p14:creationId xmlns:p14="http://schemas.microsoft.com/office/powerpoint/2010/main" val="1313854856"/>
       </p:ext>
     </p:extLst>
   </p:cSld>
@@ -2763,7 +2763,7 @@
           <p:cNvPr id="2" name="标题占位符 1">
             <a:extLst>
               <a:ext uri="{FF2B5EF4-FFF2-40B4-BE49-F238E27FC236}">
-                <a16:creationId xmlns:a16="http://schemas.microsoft.com/office/drawing/2014/main" id="{A256F9EB-2284-7176-E0C9-16A4BD0BAE9E}"/>
+                <a16:creationId xmlns:a16="http://schemas.microsoft.com/office/drawing/2014/main" id="{05B88590-A712-0EEE-CA75-B3D4D28F18A6}"/>
               </a:ext>
             </a:extLst>
           </p:cNvPr>
@@ -2801,7 +2801,7 @@
           <p:cNvPr id="3" name="文本占位符 2">
             <a:extLst>
               <a:ext uri="{FF2B5EF4-FFF2-40B4-BE49-F238E27FC236}">
-                <a16:creationId xmlns:a16="http://schemas.microsoft.com/office/drawing/2014/main" id="{5C16A7A9-FB57-B284-2F9C-91159225C585}"/>
+                <a16:creationId xmlns:a16="http://schemas.microsoft.com/office/drawing/2014/main" id="{CDD5F577-9228-8BE4-4A27-E91BB07A0281}"/>
               </a:ext>
             </a:extLst>
           </p:cNvPr>
@@ -2868,7 +2868,7 @@
           <p:cNvPr id="4" name="日期占位符 3">
             <a:extLst>
               <a:ext uri="{FF2B5EF4-FFF2-40B4-BE49-F238E27FC236}">
-                <a16:creationId xmlns:a16="http://schemas.microsoft.com/office/drawing/2014/main" id="{E0A4A7CB-95F5-94FB-14D3-0BD6A3C60AE4}"/>
+                <a16:creationId xmlns:a16="http://schemas.microsoft.com/office/drawing/2014/main" id="{6453DF66-802A-6FAE-CE39-CD8B29562CFD}"/>
               </a:ext>
             </a:extLst>
           </p:cNvPr>
@@ -2902,7 +2902,7 @@
             </a:lvl1pPr>
           </a:lstStyle>
           <a:p>
-            <a:fld id="{EF648A05-C2A3-4AFE-8E2C-679B92E8E8DC}" type="datetimeFigureOut">
+            <a:fld id="{1C1C12EA-F48F-49D8-B2F5-A9F29FF8464E}" type="datetimeFigureOut">
               <a:rPr lang="zh-CN" altLang="en-US" smtClean="0"/>
               <a:t>2024/3/10</a:t>
             </a:fld>
@@ -2915,7 +2915,7 @@
           <p:cNvPr id="5" name="页脚占位符 4">
             <a:extLst>
               <a:ext uri="{FF2B5EF4-FFF2-40B4-BE49-F238E27FC236}">
-                <a16:creationId xmlns:a16="http://schemas.microsoft.com/office/drawing/2014/main" id="{D0118DF2-FD76-908E-5DF7-9435D50DEBB2}"/>
+                <a16:creationId xmlns:a16="http://schemas.microsoft.com/office/drawing/2014/main" id="{F5672DE8-DD10-3D13-27BC-C7083551A626}"/>
               </a:ext>
             </a:extLst>
           </p:cNvPr>
@@ -2958,7 +2958,7 @@
           <p:cNvPr id="6" name="灯片编号占位符 5">
             <a:extLst>
               <a:ext uri="{FF2B5EF4-FFF2-40B4-BE49-F238E27FC236}">
-                <a16:creationId xmlns:a16="http://schemas.microsoft.com/office/drawing/2014/main" id="{3199D6F6-605D-8F8F-23C8-17A5E522697D}"/>
+                <a16:creationId xmlns:a16="http://schemas.microsoft.com/office/drawing/2014/main" id="{238790B6-9D05-B99D-4978-71F12293BA0A}"/>
               </a:ext>
             </a:extLst>
           </p:cNvPr>
@@ -2992,7 +2992,7 @@
             </a:lvl1pPr>
           </a:lstStyle>
           <a:p>
-            <a:fld id="{C0A6EC91-97AC-4686-8C9F-8C831C0B40D1}" type="slidenum">
+            <a:fld id="{9FD2B02E-E034-40C2-93A3-76188D160632}" type="slidenum">
               <a:rPr lang="zh-CN" altLang="en-US" smtClean="0"/>
               <a:t>‹#›</a:t>
             </a:fld>
@@ -3003,7 +3003,7 @@
     </p:spTree>
     <p:extLst>
       <p:ext uri="{BB962C8B-B14F-4D97-AF65-F5344CB8AC3E}">
-        <p14:creationId xmlns:p14="http://schemas.microsoft.com/office/powerpoint/2010/main" val="1930634746"/>
+        <p14:creationId xmlns:p14="http://schemas.microsoft.com/office/powerpoint/2010/main" val="2865909494"/>
       </p:ext>
     </p:extLst>
   </p:cSld>
@@ -3323,7 +3323,7 @@
       </p:grpSpPr>
       <p:pic>
         <p:nvPicPr>
-          <p:cNvPr id="1602562" name="Picture 2" descr="1564"/>
+          <p:cNvPr id="1603586" name="Picture 2" descr="1565"/>
           <p:cNvPicPr>
             <a:picLocks noChangeAspect="1" noChangeArrowheads="1"/>
           </p:cNvPicPr>
@@ -3344,8 +3344,8 @@
         </p:blipFill>
         <p:spPr bwMode="auto">
           <a:xfrm>
-            <a:off x="1524001" y="0"/>
-            <a:ext cx="9053513" cy="6789738"/>
+            <a:off x="1524000" y="1588"/>
+            <a:ext cx="9124950" cy="6380162"/>
           </a:xfrm>
           <a:prstGeom prst="rect">
             <a:avLst/>
@@ -3375,11 +3375,158 @@
           </a:extLst>
         </p:spPr>
       </p:pic>
+      <p:pic>
+        <p:nvPicPr>
+          <p:cNvPr id="1604611" name="Picture 3" descr="1565-2"/>
+          <p:cNvPicPr>
+            <a:picLocks noChangeAspect="1" noChangeArrowheads="1"/>
+          </p:cNvPicPr>
+          <p:nvPr/>
+        </p:nvPicPr>
+        <p:blipFill>
+          <a:blip r:embed="rId3">
+            <a:extLst>
+              <a:ext uri="{28A0092B-C50C-407E-A947-70E740481C1C}">
+                <a14:useLocalDpi xmlns:a14="http://schemas.microsoft.com/office/drawing/2010/main" val="0"/>
+              </a:ext>
+            </a:extLst>
+          </a:blip>
+          <a:srcRect/>
+          <a:stretch>
+            <a:fillRect/>
+          </a:stretch>
+        </p:blipFill>
+        <p:spPr bwMode="auto">
+          <a:xfrm>
+            <a:off x="1543050" y="14289"/>
+            <a:ext cx="9124950" cy="6511925"/>
+          </a:xfrm>
+          <a:prstGeom prst="rect">
+            <a:avLst/>
+          </a:prstGeom>
+          <a:noFill/>
+          <a:ln>
+            <a:noFill/>
+          </a:ln>
+          <a:effectLst/>
+          <a:extLst>
+            <a:ext uri="{909E8E84-426E-40DD-AFC4-6F175D3DCCD1}">
+              <a14:hiddenFill xmlns:a14="http://schemas.microsoft.com/office/drawing/2010/main">
+                <a:solidFill>
+                  <a:srgbClr val="FFFFFF"/>
+                </a:solidFill>
+              </a14:hiddenFill>
+            </a:ext>
+            <a:ext uri="{91240B29-F687-4F45-9708-019B960494DF}">
+              <a14:hiddenLine xmlns:a14="http://schemas.microsoft.com/office/drawing/2010/main" w="9525">
+                <a:solidFill>
+                  <a:srgbClr val="000000"/>
+                </a:solidFill>
+                <a:miter lim="800000"/>
+                <a:headEnd/>
+                <a:tailEnd/>
+              </a14:hiddenLine>
+            </a:ext>
+            <a:ext uri="{AF507438-7753-43E0-B8FC-AC1667EBCBE1}">
+              <a14:hiddenEffects xmlns:a14="http://schemas.microsoft.com/office/drawing/2010/main">
+                <a:effectLst>
+                  <a:outerShdw dist="35921" dir="2700000" algn="ctr" rotWithShape="0">
+                    <a:srgbClr val="808080"/>
+                  </a:outerShdw>
+                </a:effectLst>
+              </a14:hiddenEffects>
+            </a:ext>
+          </a:extLst>
+        </p:spPr>
+      </p:pic>
     </p:spTree>
   </p:cSld>
   <p:clrMapOvr>
     <a:masterClrMapping/>
   </p:clrMapOvr>
+  <p:timing>
+    <p:tnLst>
+      <p:par>
+        <p:cTn id="1" dur="indefinite" restart="never" nodeType="tmRoot">
+          <p:childTnLst>
+            <p:seq concurrent="1" nextAc="seek">
+              <p:cTn id="2" dur="indefinite" nodeType="mainSeq">
+                <p:childTnLst>
+                  <p:par>
+                    <p:cTn id="3" fill="hold" nodeType="clickPar">
+                      <p:stCondLst>
+                        <p:cond delay="indefinite"/>
+                      </p:stCondLst>
+                      <p:childTnLst>
+                        <p:par>
+                          <p:cTn id="4" fill="hold" nodeType="withGroup">
+                            <p:stCondLst>
+                              <p:cond delay="0"/>
+                            </p:stCondLst>
+                            <p:childTnLst>
+                              <p:par>
+                                <p:cTn id="5" presetID="10" presetClass="entr" presetSubtype="0" fill="hold" nodeType="clickEffect">
+                                  <p:stCondLst>
+                                    <p:cond delay="0"/>
+                                  </p:stCondLst>
+                                  <p:childTnLst>
+                                    <p:set>
+                                      <p:cBhvr>
+                                        <p:cTn id="6" dur="1" fill="hold">
+                                          <p:stCondLst>
+                                            <p:cond delay="0"/>
+                                          </p:stCondLst>
+                                        </p:cTn>
+                                        <p:tgtEl>
+                                          <p:spTgt spid="1604611"/>
+                                        </p:tgtEl>
+                                        <p:attrNameLst>
+                                          <p:attrName>style.visibility</p:attrName>
+                                        </p:attrNameLst>
+                                      </p:cBhvr>
+                                      <p:to>
+                                        <p:strVal val="visible"/>
+                                      </p:to>
+                                    </p:set>
+                                    <p:animEffect transition="in" filter="fade">
+                                      <p:cBhvr>
+                                        <p:cTn id="7" dur="500"/>
+                                        <p:tgtEl>
+                                          <p:spTgt spid="1604611"/>
+                                        </p:tgtEl>
+                                      </p:cBhvr>
+                                    </p:animEffect>
+                                  </p:childTnLst>
+                                </p:cTn>
+                              </p:par>
+                            </p:childTnLst>
+                          </p:cTn>
+                        </p:par>
+                      </p:childTnLst>
+                    </p:cTn>
+                  </p:par>
+                </p:childTnLst>
+              </p:cTn>
+              <p:prevCondLst>
+                <p:cond evt="onPrev" delay="0">
+                  <p:tgtEl>
+                    <p:sldTgt/>
+                  </p:tgtEl>
+                </p:cond>
+              </p:prevCondLst>
+              <p:nextCondLst>
+                <p:cond evt="onNext" delay="0">
+                  <p:tgtEl>
+                    <p:sldTgt/>
+                  </p:tgtEl>
+                </p:cond>
+              </p:nextCondLst>
+            </p:seq>
+          </p:childTnLst>
+        </p:cTn>
+      </p:par>
+    </p:tnLst>
+  </p:timing>
 </p:sld>
 </file>
 
